--- a/presentations/2012-Sept/FHIR PA Tue Q3 2012.pptx
+++ b/presentations/2012-Sept/FHIR PA Tue Q3 2012.pptx
@@ -242,7 +242,7 @@
           <a:p>
             <a:fld id="{12E97750-079F-45B4-BB47-368EA6580D24}" type="datetimeFigureOut">
               <a:rPr lang="en-CA" smtClean="0"/>
-              <a:t>11/09/2012</a:t>
+              <a:t>13/09/2012</a:t>
             </a:fld>
             <a:endParaRPr lang="en-CA"/>
           </a:p>
@@ -408,7 +408,7 @@
             <a:fld id="{5FA7A704-9F1C-4FD3-85D1-57AF2D7FD0E8}" type="datetimeFigureOut">
               <a:rPr lang="en-US" smtClean="0"/>
               <a:pPr/>
-              <a:t>9/11/2012</a:t>
+              <a:t>9/13/2012</a:t>
             </a:fld>
             <a:endParaRPr lang="en-US" dirty="0"/>
           </a:p>
@@ -1034,7 +1034,7 @@
           <a:p>
             <a:fld id="{48D7597E-798E-4D31-869B-471DBB42EC06}" type="datetime1">
               <a:rPr lang="en-US" smtClean="0"/>
-              <a:t>9/11/2012</a:t>
+              <a:t>9/13/2012</a:t>
             </a:fld>
             <a:endParaRPr lang="en-US"/>
           </a:p>
@@ -1373,7 +1373,7 @@
           <a:p>
             <a:fld id="{DF84B94F-DB33-49C4-A805-0DC57DE8D716}" type="datetime1">
               <a:rPr lang="en-US" smtClean="0"/>
-              <a:t>9/11/2012</a:t>
+              <a:t>9/13/2012</a:t>
             </a:fld>
             <a:endParaRPr lang="en-US"/>
           </a:p>
@@ -1656,7 +1656,7 @@
           <a:p>
             <a:fld id="{EF6EF436-7F4F-4FAE-AC06-41C4E247508E}" type="datetime1">
               <a:rPr lang="en-US" smtClean="0"/>
-              <a:t>9/11/2012</a:t>
+              <a:t>9/13/2012</a:t>
             </a:fld>
             <a:endParaRPr lang="en-US"/>
           </a:p>
@@ -2225,7 +2225,7 @@
           <a:p>
             <a:fld id="{25037E6F-6275-485F-9A2D-1CEB2575ACCE}" type="datetime1">
               <a:rPr lang="en-US" smtClean="0"/>
-              <a:t>9/11/2012</a:t>
+              <a:t>9/13/2012</a:t>
             </a:fld>
             <a:endParaRPr lang="en-US"/>
           </a:p>
@@ -2897,7 +2897,7 @@
           <a:p>
             <a:fld id="{1BFFEFF8-0AEC-4BE5-9CD2-F9B81A8A2DD4}" type="datetime1">
               <a:rPr lang="en-US" smtClean="0"/>
-              <a:t>9/11/2012</a:t>
+              <a:t>9/13/2012</a:t>
             </a:fld>
             <a:endParaRPr lang="en-US"/>
           </a:p>
@@ -3058,7 +3058,7 @@
           <a:p>
             <a:fld id="{9D30A491-C3A6-4228-AFC7-90EDE3F05C70}" type="datetime1">
               <a:rPr lang="en-US" smtClean="0"/>
-              <a:t>9/11/2012</a:t>
+              <a:t>9/13/2012</a:t>
             </a:fld>
             <a:endParaRPr lang="en-US"/>
           </a:p>
@@ -3207,7 +3207,7 @@
           <a:p>
             <a:fld id="{D970B0A9-92CB-4566-91C7-4806322026EC}" type="datetime1">
               <a:rPr lang="en-US" smtClean="0"/>
-              <a:t>9/11/2012</a:t>
+              <a:t>9/13/2012</a:t>
             </a:fld>
             <a:endParaRPr lang="en-US"/>
           </a:p>
@@ -3587,7 +3587,7 @@
           <a:p>
             <a:fld id="{D5B12736-250B-4FCB-8D4E-616407C482F8}" type="datetime1">
               <a:rPr lang="en-US" smtClean="0"/>
-              <a:t>9/11/2012</a:t>
+              <a:t>9/13/2012</a:t>
             </a:fld>
             <a:endParaRPr lang="en-US"/>
           </a:p>
@@ -3718,7 +3718,7 @@
           <a:p>
             <a:fld id="{12386DBF-F895-4A65-877D-2A3D96613DA8}" type="datetime1">
               <a:rPr lang="en-US" smtClean="0"/>
-              <a:t>9/11/2012</a:t>
+              <a:t>9/13/2012</a:t>
             </a:fld>
             <a:endParaRPr lang="en-US"/>
           </a:p>
@@ -4177,7 +4177,7 @@
             <a:pPr algn="r"/>
             <a:fld id="{1D09DFD0-14B4-44F6-ADDE-F7357BC74DDC}" type="datetime1">
               <a:rPr lang="en-US" smtClean="0"/>
-              <a:t>9/11/2012</a:t>
+              <a:t>9/13/2012</a:t>
             </a:fld>
             <a:endParaRPr lang="en-US" sz="1200">
               <a:solidFill>
@@ -5208,7 +5208,7 @@
           <a:p>
             <a:fld id="{0FD48F9D-C241-454F-8739-117ED62883F5}" type="datetime1">
               <a:rPr lang="en-US" smtClean="0"/>
-              <a:t>9/11/2012</a:t>
+              <a:t>9/13/2012</a:t>
             </a:fld>
             <a:endParaRPr lang="en-US" dirty="0"/>
           </a:p>
@@ -5476,7 +5476,7 @@
           <a:p>
             <a:fld id="{DF84B94F-DB33-49C4-A805-0DC57DE8D716}" type="datetime1">
               <a:rPr lang="en-US" smtClean="0"/>
-              <a:t>9/11/2012</a:t>
+              <a:t>9/13/2012</a:t>
             </a:fld>
             <a:endParaRPr lang="en-US"/>
           </a:p>
@@ -5983,7 +5983,7 @@
           <a:p>
             <a:fld id="{DF84B94F-DB33-49C4-A805-0DC57DE8D716}" type="datetime1">
               <a:rPr lang="en-US" smtClean="0"/>
-              <a:t>9/11/2012</a:t>
+              <a:t>9/13/2012</a:t>
             </a:fld>
             <a:endParaRPr lang="en-US"/>
           </a:p>
@@ -6181,7 +6181,7 @@
           <a:p>
             <a:fld id="{DF84B94F-DB33-49C4-A805-0DC57DE8D716}" type="datetime1">
               <a:rPr lang="en-US" smtClean="0"/>
-              <a:t>9/11/2012</a:t>
+              <a:t>9/13/2012</a:t>
             </a:fld>
             <a:endParaRPr lang="en-US"/>
           </a:p>
@@ -6316,7 +6316,7 @@
             <p:ph idx="1"/>
             <p:extLst>
               <p:ext uri="{D42A27DB-BD31-4B8C-83A1-F6EECF244321}">
-                <p14:modId xmlns:p14="http://schemas.microsoft.com/office/powerpoint/2010/main" val="2428124053"/>
+                <p14:modId xmlns:p14="http://schemas.microsoft.com/office/powerpoint/2010/main" val="3676463721"/>
               </p:ext>
             </p:extLst>
           </p:nvPr>
@@ -6412,7 +6412,7 @@
                         <a:rPr lang="nl-NL" kern="1200" dirty="0" err="1" smtClean="0">
                           <a:effectLst/>
                         </a:rPr>
-                        <a:t>identifiers</a:t>
+                        <a:t>identifier</a:t>
                       </a:r>
                       <a:r>
                         <a:rPr lang="nl-NL" kern="1200" dirty="0" smtClean="0">
@@ -6429,16 +6429,10 @@
                     </a:p>
                     <a:p>
                       <a:r>
-                        <a:rPr lang="nl-NL" kern="1200" dirty="0" err="1" smtClean="0">
-                          <a:effectLst/>
-                        </a:rPr>
-                        <a:t>names</a:t>
-                      </a:r>
-                      <a:r>
                         <a:rPr lang="nl-NL" kern="1200" dirty="0" smtClean="0">
                           <a:effectLst/>
                         </a:rPr>
-                        <a:t> </a:t>
+                        <a:t>name </a:t>
                       </a:r>
                       <a:r>
                         <a:rPr lang="nl-NL" sz="1100" kern="1200" dirty="0" smtClean="0">
@@ -6449,17 +6443,6 @@
                     </a:p>
                     <a:p>
                       <a:r>
-                        <a:rPr kumimoji="0" lang="nl-NL" sz="1800" u="none" strike="noStrike" kern="1200" cap="none" spc="0" normalizeH="0" baseline="0" noProof="0" dirty="0" err="1" smtClean="0">
-                          <a:ln>
-                            <a:noFill/>
-                          </a:ln>
-                          <a:effectLst/>
-                          <a:uLnTx/>
-                          <a:uFillTx/>
-                        </a:rPr>
-                        <a:t>contacts</a:t>
-                      </a:r>
-                      <a:r>
                         <a:rPr kumimoji="0" lang="nl-NL" sz="1800" u="none" strike="noStrike" kern="1200" cap="none" spc="0" normalizeH="0" baseline="0" noProof="0" dirty="0" smtClean="0">
                           <a:ln>
                             <a:noFill/>
@@ -6468,7 +6451,7 @@
                           <a:uLnTx/>
                           <a:uFillTx/>
                         </a:rPr>
-                        <a:t> </a:t>
+                        <a:t>contact </a:t>
                       </a:r>
                       <a:r>
                         <a:rPr kumimoji="0" lang="nl-NL" sz="1100" u="none" strike="noStrike" kern="1200" cap="none" spc="0" normalizeH="0" baseline="0" noProof="0" dirty="0" smtClean="0">
@@ -6783,7 +6766,7 @@
                         <a:rPr lang="nl-NL" kern="1200" dirty="0" err="1" smtClean="0">
                           <a:effectLst/>
                         </a:rPr>
-                        <a:t>addresses</a:t>
+                        <a:t>address</a:t>
                       </a:r>
                       <a:r>
                         <a:rPr lang="nl-NL" kern="1200" dirty="0" smtClean="0">
@@ -7275,7 +7258,7 @@
           <a:p>
             <a:fld id="{DF84B94F-DB33-49C4-A805-0DC57DE8D716}" type="datetime1">
               <a:rPr lang="en-US" smtClean="0"/>
-              <a:t>9/11/2012</a:t>
+              <a:t>9/13/2012</a:t>
             </a:fld>
             <a:endParaRPr lang="en-US"/>
           </a:p>
@@ -7641,7 +7624,7 @@
           <a:p>
             <a:fld id="{DF84B94F-DB33-49C4-A805-0DC57DE8D716}" type="datetime1">
               <a:rPr lang="en-US" smtClean="0"/>
-              <a:t>9/11/2012</a:t>
+              <a:t>9/13/2012</a:t>
             </a:fld>
             <a:endParaRPr lang="en-US"/>
           </a:p>
@@ -8115,7 +8098,7 @@
           <a:p>
             <a:fld id="{DF84B94F-DB33-49C4-A805-0DC57DE8D716}" type="datetime1">
               <a:rPr lang="en-US" smtClean="0"/>
-              <a:t>9/11/2012</a:t>
+              <a:t>9/13/2012</a:t>
             </a:fld>
             <a:endParaRPr lang="en-US"/>
           </a:p>
@@ -8644,7 +8627,7 @@
           <a:p>
             <a:fld id="{DF84B94F-DB33-49C4-A805-0DC57DE8D716}" type="datetime1">
               <a:rPr lang="en-US" smtClean="0"/>
-              <a:t>9/11/2012</a:t>
+              <a:t>9/13/2012</a:t>
             </a:fld>
             <a:endParaRPr lang="en-US"/>
           </a:p>
@@ -8890,7 +8873,7 @@
           <a:p>
             <a:fld id="{93C94D47-1647-4FC5-AC50-9CE94743DCCB}" type="datetime1">
               <a:rPr lang="en-US" smtClean="0"/>
-              <a:t>9/11/2012</a:t>
+              <a:t>9/13/2012</a:t>
             </a:fld>
             <a:endParaRPr lang="en-US"/>
           </a:p>
@@ -8991,11 +8974,7 @@
           <a:p>
             <a:r>
               <a:rPr lang="nl-NL" dirty="0" smtClean="0"/>
-              <a:t>FHIR </a:t>
-            </a:r>
-            <a:r>
-              <a:rPr lang="nl-NL" dirty="0" smtClean="0"/>
-              <a:t>Management Board</a:t>
+              <a:t>FHIR Management Board</a:t>
             </a:r>
           </a:p>
           <a:p>
@@ -9124,7 +9103,7 @@
           <a:p>
             <a:fld id="{DF84B94F-DB33-49C4-A805-0DC57DE8D716}" type="datetime1">
               <a:rPr lang="en-US" smtClean="0"/>
-              <a:t>9/11/2012</a:t>
+              <a:t>9/13/2012</a:t>
             </a:fld>
             <a:endParaRPr lang="en-US"/>
           </a:p>
@@ -9365,7 +9344,7 @@
           <a:p>
             <a:fld id="{8FCA521A-5C8A-4933-9234-1A0DD0C7D7AC}" type="datetime1">
               <a:rPr lang="en-US" smtClean="0"/>
-              <a:t>9/11/2012</a:t>
+              <a:t>9/13/2012</a:t>
             </a:fld>
             <a:endParaRPr lang="en-US"/>
           </a:p>
@@ -9599,7 +9578,7 @@
           <a:p>
             <a:fld id="{98B4A16E-21ED-4230-B786-4526169535CB}" type="datetime1">
               <a:rPr lang="en-US" smtClean="0"/>
-              <a:t>9/11/2012</a:t>
+              <a:t>9/13/2012</a:t>
             </a:fld>
             <a:endParaRPr lang="en-US"/>
           </a:p>
@@ -9820,7 +9799,7 @@
           <a:p>
             <a:fld id="{5EB4B306-CA87-4AB8-B828-03CA9FDB7049}" type="datetime1">
               <a:rPr lang="en-US" smtClean="0"/>
-              <a:t>9/11/2012</a:t>
+              <a:t>9/13/2012</a:t>
             </a:fld>
             <a:endParaRPr lang="en-US"/>
           </a:p>
@@ -10099,7 +10078,7 @@
           <a:p>
             <a:fld id="{DF84B94F-DB33-49C4-A805-0DC57DE8D716}" type="datetime1">
               <a:rPr lang="en-US" smtClean="0"/>
-              <a:t>9/11/2012</a:t>
+              <a:t>9/13/2012</a:t>
             </a:fld>
             <a:endParaRPr lang="en-US"/>
           </a:p>
@@ -10405,7 +10384,7 @@
           <a:p>
             <a:fld id="{DF84B94F-DB33-49C4-A805-0DC57DE8D716}" type="datetime1">
               <a:rPr lang="en-US" smtClean="0"/>
-              <a:t>9/11/2012</a:t>
+              <a:t>9/13/2012</a:t>
             </a:fld>
             <a:endParaRPr lang="en-US"/>
           </a:p>
@@ -10769,7 +10748,7 @@
           <a:p>
             <a:fld id="{DF84B94F-DB33-49C4-A805-0DC57DE8D716}" type="datetime1">
               <a:rPr lang="en-US" smtClean="0"/>
-              <a:t>9/11/2012</a:t>
+              <a:t>9/13/2012</a:t>
             </a:fld>
             <a:endParaRPr lang="en-US"/>
           </a:p>
